--- a/img/VCS.pptx
+++ b/img/VCS.pptx
@@ -243,7 +243,7 @@
           <a:p>
             <a:fld id="{7C30EC8E-E0C2-4688-8A21-31FBB5C9B8D6}" type="datetimeFigureOut">
               <a:rPr lang="en-GB" smtClean="0"/>
-              <a:t>18/07/2022</a:t>
+              <a:t>19/07/2022</a:t>
             </a:fld>
             <a:endParaRPr lang="en-GB"/>
           </a:p>
@@ -413,7 +413,7 @@
           <a:p>
             <a:fld id="{7C30EC8E-E0C2-4688-8A21-31FBB5C9B8D6}" type="datetimeFigureOut">
               <a:rPr lang="en-GB" smtClean="0"/>
-              <a:t>18/07/2022</a:t>
+              <a:t>19/07/2022</a:t>
             </a:fld>
             <a:endParaRPr lang="en-GB"/>
           </a:p>
@@ -593,7 +593,7 @@
           <a:p>
             <a:fld id="{7C30EC8E-E0C2-4688-8A21-31FBB5C9B8D6}" type="datetimeFigureOut">
               <a:rPr lang="en-GB" smtClean="0"/>
-              <a:t>18/07/2022</a:t>
+              <a:t>19/07/2022</a:t>
             </a:fld>
             <a:endParaRPr lang="en-GB"/>
           </a:p>
@@ -763,7 +763,7 @@
           <a:p>
             <a:fld id="{7C30EC8E-E0C2-4688-8A21-31FBB5C9B8D6}" type="datetimeFigureOut">
               <a:rPr lang="en-GB" smtClean="0"/>
-              <a:t>18/07/2022</a:t>
+              <a:t>19/07/2022</a:t>
             </a:fld>
             <a:endParaRPr lang="en-GB"/>
           </a:p>
@@ -1009,7 +1009,7 @@
           <a:p>
             <a:fld id="{7C30EC8E-E0C2-4688-8A21-31FBB5C9B8D6}" type="datetimeFigureOut">
               <a:rPr lang="en-GB" smtClean="0"/>
-              <a:t>18/07/2022</a:t>
+              <a:t>19/07/2022</a:t>
             </a:fld>
             <a:endParaRPr lang="en-GB"/>
           </a:p>
@@ -1241,7 +1241,7 @@
           <a:p>
             <a:fld id="{7C30EC8E-E0C2-4688-8A21-31FBB5C9B8D6}" type="datetimeFigureOut">
               <a:rPr lang="en-GB" smtClean="0"/>
-              <a:t>18/07/2022</a:t>
+              <a:t>19/07/2022</a:t>
             </a:fld>
             <a:endParaRPr lang="en-GB"/>
           </a:p>
@@ -1608,7 +1608,7 @@
           <a:p>
             <a:fld id="{7C30EC8E-E0C2-4688-8A21-31FBB5C9B8D6}" type="datetimeFigureOut">
               <a:rPr lang="en-GB" smtClean="0"/>
-              <a:t>18/07/2022</a:t>
+              <a:t>19/07/2022</a:t>
             </a:fld>
             <a:endParaRPr lang="en-GB"/>
           </a:p>
@@ -1726,7 +1726,7 @@
           <a:p>
             <a:fld id="{7C30EC8E-E0C2-4688-8A21-31FBB5C9B8D6}" type="datetimeFigureOut">
               <a:rPr lang="en-GB" smtClean="0"/>
-              <a:t>18/07/2022</a:t>
+              <a:t>19/07/2022</a:t>
             </a:fld>
             <a:endParaRPr lang="en-GB"/>
           </a:p>
@@ -1821,7 +1821,7 @@
           <a:p>
             <a:fld id="{7C30EC8E-E0C2-4688-8A21-31FBB5C9B8D6}" type="datetimeFigureOut">
               <a:rPr lang="en-GB" smtClean="0"/>
-              <a:t>18/07/2022</a:t>
+              <a:t>19/07/2022</a:t>
             </a:fld>
             <a:endParaRPr lang="en-GB"/>
           </a:p>
@@ -2098,7 +2098,7 @@
           <a:p>
             <a:fld id="{7C30EC8E-E0C2-4688-8A21-31FBB5C9B8D6}" type="datetimeFigureOut">
               <a:rPr lang="en-GB" smtClean="0"/>
-              <a:t>18/07/2022</a:t>
+              <a:t>19/07/2022</a:t>
             </a:fld>
             <a:endParaRPr lang="en-GB"/>
           </a:p>
@@ -2351,7 +2351,7 @@
           <a:p>
             <a:fld id="{7C30EC8E-E0C2-4688-8A21-31FBB5C9B8D6}" type="datetimeFigureOut">
               <a:rPr lang="en-GB" smtClean="0"/>
-              <a:t>18/07/2022</a:t>
+              <a:t>19/07/2022</a:t>
             </a:fld>
             <a:endParaRPr lang="en-GB"/>
           </a:p>
@@ -2564,7 +2564,7 @@
           <a:p>
             <a:fld id="{7C30EC8E-E0C2-4688-8A21-31FBB5C9B8D6}" type="datetimeFigureOut">
               <a:rPr lang="en-GB" smtClean="0"/>
-              <a:t>18/07/2022</a:t>
+              <a:t>19/07/2022</a:t>
             </a:fld>
             <a:endParaRPr lang="en-GB"/>
           </a:p>
@@ -3363,14 +3363,7 @@
                 <a:latin typeface="Courier New" panose="02070309020205020404" pitchFamily="49" charset="0"/>
                 <a:cs typeface="Courier New" panose="02070309020205020404" pitchFamily="49" charset="0"/>
               </a:rPr>
-              <a:t>1 </a:t>
-            </a:r>
-            <a:r>
-              <a:rPr lang="fr-FR" sz="1000" b="1" dirty="0" smtClean="0">
-                <a:latin typeface="Courier New" panose="02070309020205020404" pitchFamily="49" charset="0"/>
-                <a:cs typeface="Courier New" panose="02070309020205020404" pitchFamily="49" charset="0"/>
-              </a:rPr>
-              <a:t>container</a:t>
+              <a:t>1 container</a:t>
             </a:r>
             <a:endParaRPr lang="en-GB" sz="1000" b="1" dirty="0">
               <a:latin typeface="Courier New" panose="02070309020205020404" pitchFamily="49" charset="0"/>
@@ -3543,7 +3536,7 @@
                 <a:latin typeface="Courier New" panose="02070309020205020404" pitchFamily="49" charset="0"/>
                 <a:cs typeface="Courier New" panose="02070309020205020404" pitchFamily="49" charset="0"/>
               </a:rPr>
-              <a:t>1 </a:t>
+              <a:t>0..1 </a:t>
             </a:r>
             <a:endParaRPr lang="fr-FR" sz="1000" b="1" dirty="0" smtClean="0">
               <a:latin typeface="Courier New" panose="02070309020205020404" pitchFamily="49" charset="0"/>
@@ -3782,13 +3775,6 @@
               </a:rPr>
               <a:t>: Real</a:t>
             </a:r>
-            <a:endParaRPr lang="fr-FR" sz="800" dirty="0" smtClean="0">
-              <a:solidFill>
-                <a:schemeClr val="tx1"/>
-              </a:solidFill>
-              <a:latin typeface="Courier New" panose="02070309020205020404" pitchFamily="49" charset="0"/>
-              <a:cs typeface="Courier New" panose="02070309020205020404" pitchFamily="49" charset="0"/>
-            </a:endParaRPr>
           </a:p>
         </p:txBody>
       </p:sp>
@@ -4815,13 +4801,6 @@
               </a:rPr>
               <a:t>: String [0..1]</a:t>
             </a:r>
-            <a:endParaRPr lang="fr-FR" sz="800" dirty="0" smtClean="0">
-              <a:solidFill>
-                <a:schemeClr val="tx1"/>
-              </a:solidFill>
-              <a:latin typeface="Courier New" panose="02070309020205020404" pitchFamily="49" charset="0"/>
-              <a:cs typeface="Courier New" panose="02070309020205020404" pitchFamily="49" charset="0"/>
-            </a:endParaRPr>
           </a:p>
         </p:txBody>
       </p:sp>
@@ -4895,10 +4874,6 @@
               </a:rPr>
               <a:t>* </a:t>
             </a:r>
-            <a:endParaRPr lang="fr-FR" sz="1000" b="1" dirty="0" smtClean="0">
-              <a:latin typeface="Courier New" panose="02070309020205020404" pitchFamily="49" charset="0"/>
-              <a:cs typeface="Courier New" panose="02070309020205020404" pitchFamily="49" charset="0"/>
-            </a:endParaRPr>
           </a:p>
           <a:p>
             <a:r>
@@ -4985,10 +4960,6 @@
               </a:rPr>
               <a:t>1 </a:t>
             </a:r>
-            <a:endParaRPr lang="fr-FR" sz="1000" b="1" dirty="0" smtClean="0">
-              <a:latin typeface="Courier New" panose="02070309020205020404" pitchFamily="49" charset="0"/>
-              <a:cs typeface="Courier New" panose="02070309020205020404" pitchFamily="49" charset="0"/>
-            </a:endParaRPr>
           </a:p>
           <a:p>
             <a:r>
@@ -5129,6 +5100,53 @@
               <a:solidFill>
                 <a:schemeClr val="tx1"/>
               </a:solidFill>
+              <a:latin typeface="Courier New" panose="02070309020205020404" pitchFamily="49" charset="0"/>
+              <a:cs typeface="Courier New" panose="02070309020205020404" pitchFamily="49" charset="0"/>
+            </a:endParaRPr>
+          </a:p>
+        </p:txBody>
+      </p:sp>
+      <p:sp>
+        <p:nvSpPr>
+          <p:cNvPr id="40" name="TextBox 39"/>
+          <p:cNvSpPr txBox="1"/>
+          <p:nvPr/>
+        </p:nvSpPr>
+        <p:spPr>
+          <a:xfrm>
+            <a:off x="5235647" y="333195"/>
+            <a:ext cx="819830" cy="400110"/>
+          </a:xfrm>
+          <a:prstGeom prst="rect">
+            <a:avLst/>
+          </a:prstGeom>
+          <a:noFill/>
+        </p:spPr>
+        <p:txBody>
+          <a:bodyPr wrap="square" rtlCol="0">
+            <a:spAutoFit/>
+          </a:bodyPr>
+          <a:lstStyle/>
+          <a:p>
+            <a:pPr algn="r"/>
+            <a:r>
+              <a:rPr lang="fr-FR" sz="1000" b="1" dirty="0" smtClean="0">
+                <a:latin typeface="Courier New" panose="02070309020205020404" pitchFamily="49" charset="0"/>
+                <a:cs typeface="Courier New" panose="02070309020205020404" pitchFamily="49" charset="0"/>
+              </a:rPr>
+              <a:t>* </a:t>
+            </a:r>
+          </a:p>
+          <a:p>
+            <a:pPr algn="r"/>
+            <a:r>
+              <a:rPr lang="fr-FR" sz="1000" b="1" smtClean="0">
+                <a:latin typeface="Courier New" panose="02070309020205020404" pitchFamily="49" charset="0"/>
+                <a:cs typeface="Courier New" panose="02070309020205020404" pitchFamily="49" charset="0"/>
+              </a:rPr>
+              <a:t>styles</a:t>
+            </a:r>
+            <a:endParaRPr lang="en-GB" sz="1000" b="1" dirty="0">
               <a:latin typeface="Courier New" panose="02070309020205020404" pitchFamily="49" charset="0"/>
               <a:cs typeface="Courier New" panose="02070309020205020404" pitchFamily="49" charset="0"/>
             </a:endParaRPr>
